--- a/RefactorForTest.pptx
+++ b/RefactorForTest.pptx
@@ -10,9 +10,9 @@
   <p:sldIdLst>
     <p:sldId id="311" r:id="rId2"/>
     <p:sldId id="339" r:id="rId3"/>
-    <p:sldId id="341" r:id="rId4"/>
-    <p:sldId id="342" r:id="rId5"/>
-    <p:sldId id="344" r:id="rId6"/>
+    <p:sldId id="342" r:id="rId4"/>
+    <p:sldId id="344" r:id="rId5"/>
+    <p:sldId id="341" r:id="rId6"/>
     <p:sldId id="343" r:id="rId7"/>
     <p:sldId id="340" r:id="rId8"/>
     <p:sldId id="266" r:id="rId9"/>
@@ -637,7 +637,7 @@
     </p:spTree>
     <p:extLst>
       <p:ext uri="{BB962C8B-B14F-4D97-AF65-F5344CB8AC3E}">
-        <p14:creationId xmlns:p14="http://schemas.microsoft.com/office/powerpoint/2010/main" val="1481767861"/>
+        <p14:creationId xmlns:p14="http://schemas.microsoft.com/office/powerpoint/2010/main" val="1070155748"/>
       </p:ext>
     </p:extLst>
   </p:cSld>
@@ -691,7 +691,10 @@
           <a:bodyPr/>
           <a:lstStyle/>
           <a:p>
-            <a:endParaRPr lang="en-US" dirty="0"/>
+            <a:r>
+              <a:rPr lang="en-US" dirty="0"/>
+              <a:t>Not listed: Manual Testing and Acceptance testing</a:t>
+            </a:r>
           </a:p>
         </p:txBody>
       </p:sp>
@@ -721,7 +724,7 @@
     </p:spTree>
     <p:extLst>
       <p:ext uri="{BB962C8B-B14F-4D97-AF65-F5344CB8AC3E}">
-        <p14:creationId xmlns:p14="http://schemas.microsoft.com/office/powerpoint/2010/main" val="1070155748"/>
+        <p14:creationId xmlns:p14="http://schemas.microsoft.com/office/powerpoint/2010/main" val="1264412862"/>
       </p:ext>
     </p:extLst>
   </p:cSld>
@@ -775,10 +778,7 @@
           <a:bodyPr/>
           <a:lstStyle/>
           <a:p>
-            <a:r>
-              <a:rPr lang="en-US" dirty="0"/>
-              <a:t>Not listed: Manual Testing and Acceptance testing</a:t>
-            </a:r>
+            <a:endParaRPr lang="en-US" dirty="0"/>
           </a:p>
         </p:txBody>
       </p:sp>
@@ -808,7 +808,7 @@
     </p:spTree>
     <p:extLst>
       <p:ext uri="{BB962C8B-B14F-4D97-AF65-F5344CB8AC3E}">
-        <p14:creationId xmlns:p14="http://schemas.microsoft.com/office/powerpoint/2010/main" val="1264412862"/>
+        <p14:creationId xmlns:p14="http://schemas.microsoft.com/office/powerpoint/2010/main" val="1481767861"/>
       </p:ext>
     </p:extLst>
   </p:cSld>
@@ -6881,6 +6881,12 @@
             </a:r>
           </a:p>
           <a:p>
+            <a:r>
+              <a:rPr lang="en-CA" dirty="0"/>
+              <a:t>“Commonly” Needed Refactors</a:t>
+            </a:r>
+          </a:p>
+          <a:p>
             <a:endParaRPr lang="en-CA" dirty="0"/>
           </a:p>
           <a:p>
@@ -6941,7 +6947,7 @@
           <a:p>
             <a:r>
               <a:rPr lang="en-CA" dirty="0"/>
-              <a:t>Benefits of Unit Testing</a:t>
+              <a:t>What is Unit Testing</a:t>
             </a:r>
           </a:p>
         </p:txBody>
@@ -6964,43 +6970,38 @@
         </p:nvSpPr>
         <p:spPr/>
         <p:txBody>
-          <a:bodyPr>
-            <a:normAutofit/>
-          </a:bodyPr>
-          <a:lstStyle/>
-          <a:p>
-            <a:r>
-              <a:rPr lang="en-CA" sz="4000" dirty="0"/>
-              <a:t>Find Bugs Early</a:t>
-            </a:r>
-          </a:p>
-          <a:p>
-            <a:r>
-              <a:rPr lang="en-CA" sz="4000" dirty="0"/>
-              <a:t>Prevents Regression</a:t>
-            </a:r>
-          </a:p>
-          <a:p>
-            <a:r>
-              <a:rPr lang="en-CA" sz="4000" dirty="0"/>
-              <a:t>Simplify Code Changes</a:t>
-            </a:r>
-          </a:p>
-          <a:p>
-            <a:r>
-              <a:rPr lang="en-CA" sz="4000" dirty="0"/>
-              <a:t>Speed Up Development and Debugging</a:t>
-            </a:r>
-          </a:p>
-          <a:p>
-            <a:endParaRPr lang="en-CA" sz="4000" dirty="0"/>
+          <a:bodyPr/>
+          <a:lstStyle/>
+          <a:p>
+            <a:r>
+              <a:rPr lang="en-CA" dirty="0"/>
+              <a:t>Smallest Testable Amount of Code</a:t>
+            </a:r>
+          </a:p>
+          <a:p>
+            <a:r>
+              <a:rPr lang="en-CA" dirty="0"/>
+              <a:t>Isolated</a:t>
+            </a:r>
+          </a:p>
+          <a:p>
+            <a:r>
+              <a:rPr lang="en-CA" dirty="0"/>
+              <a:t>Independent</a:t>
+            </a:r>
+          </a:p>
+          <a:p>
+            <a:r>
+              <a:rPr lang="en-CA" dirty="0"/>
+              <a:t>Automated</a:t>
+            </a:r>
           </a:p>
         </p:txBody>
       </p:sp>
     </p:spTree>
     <p:extLst>
       <p:ext uri="{BB962C8B-B14F-4D97-AF65-F5344CB8AC3E}">
-        <p14:creationId xmlns:p14="http://schemas.microsoft.com/office/powerpoint/2010/main" val="544989694"/>
+        <p14:creationId xmlns:p14="http://schemas.microsoft.com/office/powerpoint/2010/main" val="3864437008"/>
       </p:ext>
     </p:extLst>
   </p:cSld>
@@ -7050,7 +7051,7 @@
           <a:p>
             <a:r>
               <a:rPr lang="en-CA" dirty="0"/>
-              <a:t>What is Unit Testing</a:t>
+              <a:t>What is not Unit Testing</a:t>
             </a:r>
           </a:p>
         </p:txBody>
@@ -7078,25 +7079,25 @@
           <a:p>
             <a:r>
               <a:rPr lang="en-CA" dirty="0"/>
-              <a:t>Smallest Testable Amount of Code</a:t>
+              <a:t>Component/Module Testing</a:t>
             </a:r>
           </a:p>
           <a:p>
             <a:r>
               <a:rPr lang="en-CA" dirty="0"/>
-              <a:t>Isolated</a:t>
+              <a:t>Integration Tests</a:t>
             </a:r>
           </a:p>
           <a:p>
             <a:r>
               <a:rPr lang="en-CA" dirty="0"/>
-              <a:t>Independent</a:t>
+              <a:t>End to End Tests</a:t>
             </a:r>
           </a:p>
           <a:p>
             <a:r>
               <a:rPr lang="en-CA" dirty="0"/>
-              <a:t>Automated</a:t>
+              <a:t>Automated UI Tests</a:t>
             </a:r>
           </a:p>
         </p:txBody>
@@ -7104,7 +7105,7 @@
     </p:spTree>
     <p:extLst>
       <p:ext uri="{BB962C8B-B14F-4D97-AF65-F5344CB8AC3E}">
-        <p14:creationId xmlns:p14="http://schemas.microsoft.com/office/powerpoint/2010/main" val="3864437008"/>
+        <p14:creationId xmlns:p14="http://schemas.microsoft.com/office/powerpoint/2010/main" val="2839424433"/>
       </p:ext>
     </p:extLst>
   </p:cSld>
@@ -7154,7 +7155,7 @@
           <a:p>
             <a:r>
               <a:rPr lang="en-CA" dirty="0"/>
-              <a:t>What is not Unit Testing</a:t>
+              <a:t>Benefits of Unit Testing</a:t>
             </a:r>
           </a:p>
         </p:txBody>
@@ -7177,38 +7178,43 @@
         </p:nvSpPr>
         <p:spPr/>
         <p:txBody>
-          <a:bodyPr/>
-          <a:lstStyle/>
-          <a:p>
-            <a:r>
-              <a:rPr lang="en-CA" dirty="0"/>
-              <a:t>Component/Module Testing</a:t>
-            </a:r>
-          </a:p>
-          <a:p>
-            <a:r>
-              <a:rPr lang="en-CA" dirty="0"/>
-              <a:t>Integration Tests</a:t>
-            </a:r>
-          </a:p>
-          <a:p>
-            <a:r>
-              <a:rPr lang="en-CA" dirty="0"/>
-              <a:t>End to End Tests</a:t>
-            </a:r>
-          </a:p>
-          <a:p>
-            <a:r>
-              <a:rPr lang="en-CA" dirty="0"/>
-              <a:t>Automated UI Tests</a:t>
-            </a:r>
+          <a:bodyPr>
+            <a:normAutofit/>
+          </a:bodyPr>
+          <a:lstStyle/>
+          <a:p>
+            <a:r>
+              <a:rPr lang="en-CA" sz="4000" dirty="0"/>
+              <a:t>Find Bugs Early</a:t>
+            </a:r>
+          </a:p>
+          <a:p>
+            <a:r>
+              <a:rPr lang="en-CA" sz="4000" dirty="0"/>
+              <a:t>Prevents Regression</a:t>
+            </a:r>
+          </a:p>
+          <a:p>
+            <a:r>
+              <a:rPr lang="en-CA" sz="4000" dirty="0"/>
+              <a:t>Simplify Code Changes</a:t>
+            </a:r>
+          </a:p>
+          <a:p>
+            <a:r>
+              <a:rPr lang="en-CA" sz="4000" dirty="0"/>
+              <a:t>Speed Up Development and Debugging</a:t>
+            </a:r>
+          </a:p>
+          <a:p>
+            <a:endParaRPr lang="en-CA" sz="4000" dirty="0"/>
           </a:p>
         </p:txBody>
       </p:sp>
     </p:spTree>
     <p:extLst>
       <p:ext uri="{BB962C8B-B14F-4D97-AF65-F5344CB8AC3E}">
-        <p14:creationId xmlns:p14="http://schemas.microsoft.com/office/powerpoint/2010/main" val="2839424433"/>
+        <p14:creationId xmlns:p14="http://schemas.microsoft.com/office/powerpoint/2010/main" val="544989694"/>
       </p:ext>
     </p:extLst>
   </p:cSld>
